--- a/Presentation.pptx
+++ b/Presentation.pptx
@@ -14347,7 +14347,7 @@
             </a:pPr>
             <a:r>
               <a:rPr lang="en-US" dirty="0"/>
-              <a:t>There are various types of protocol you can use to send data</a:t>
+              <a:t>There are various types of protocols you can use to send data</a:t>
             </a:r>
           </a:p>
           <a:p>
@@ -22673,18 +22673,7 @@
               <a:rPr lang="en-US" dirty="0">
                 <a:hlinkClick r:id="rId3"/>
               </a:rPr>
-              <a:t>https://github.com/ChilliCream/graphql-workshop/blob</a:t>
-            </a:r>
-            <a:br>
-              <a:rPr lang="en-US" dirty="0">
-                <a:hlinkClick r:id="rId3"/>
-              </a:rPr>
-            </a:br>
-            <a:r>
-              <a:rPr lang="en-US" dirty="0">
-                <a:hlinkClick r:id="rId3"/>
-              </a:rPr>
-              <a:t>/master/docs/1-creating-a-graphql-server-project.md</a:t>
+              <a:t>https://github.com/ChilliCream/graphql-workshop</a:t>
             </a:r>
             <a:r>
               <a:rPr lang="en-US" dirty="0"/>
@@ -24979,7 +24968,7 @@
                 <a:latin typeface="Consolas" pitchFamily="49" charset="0"/>
                 <a:cs typeface="Consolas" pitchFamily="49" charset="0"/>
               </a:rPr>
-              <a:t>  b: cat(id: 1) {</a:t>
+              <a:t>  b: cat(id: 2) {</a:t>
             </a:r>
           </a:p>
           <a:p>
@@ -30996,16 +30985,15 @@
               </a:lnSpc>
             </a:pPr>
             <a:r>
-              <a:rPr lang="en-US">
+              <a:rPr lang="en-US" dirty="0">
                 <a:hlinkClick r:id="rId2"/>
               </a:rPr>
               <a:t>https://www.stevejgordon.co.uk/server-streaming-with-grpc-in-asp-dotnet-core</a:t>
             </a:r>
             <a:r>
-              <a:rPr lang="en-US"/>
+              <a:rPr lang="en-US" dirty="0"/>
               <a:t> </a:t>
             </a:r>
-            <a:endParaRPr lang="en-US" dirty="0"/>
           </a:p>
         </p:txBody>
       </p:sp>
